--- a/assets/images/codecademy/아이콘.pptx
+++ b/assets/images/codecademy/아이콘.pptx
@@ -7,6 +7,7 @@
   <p:sldIdLst>
     <p:sldId id="256" r:id="rId2"/>
     <p:sldId id="257" r:id="rId3"/>
+    <p:sldId id="258" r:id="rId4"/>
   </p:sldIdLst>
   <p:sldSz cx="9144000" cy="6858000" type="screen4x3"/>
   <p:notesSz cx="6858000" cy="9144000"/>
@@ -105,6 +106,11 @@
       </a:defRPr>
     </a:lvl9pPr>
   </p:defaultTextStyle>
+  <p:extLst>
+    <p:ext uri="{EFAFB233-063F-42B5-8137-9DF3F51BA10A}">
+      <p15:sldGuideLst xmlns:p15="http://schemas.microsoft.com/office/powerpoint/2012/main"/>
+    </p:ext>
+  </p:extLst>
 </p:presentation>
 </file>
 
@@ -300,7 +306,7 @@
           <a:p>
             <a:fld id="{B404E107-17DF-6748-A018-5895F8FAAE2B}" type="datetimeFigureOut">
               <a:rPr lang="en-US" smtClean="0"/>
-              <a:t>4/6/21</a:t>
+              <a:t>4/18/21</a:t>
             </a:fld>
             <a:endParaRPr lang="en-US"/>
           </a:p>
@@ -465,7 +471,7 @@
           <a:p>
             <a:fld id="{B404E107-17DF-6748-A018-5895F8FAAE2B}" type="datetimeFigureOut">
               <a:rPr lang="en-US" smtClean="0"/>
-              <a:t>4/6/21</a:t>
+              <a:t>4/18/21</a:t>
             </a:fld>
             <a:endParaRPr lang="en-US"/>
           </a:p>
@@ -640,7 +646,7 @@
           <a:p>
             <a:fld id="{B404E107-17DF-6748-A018-5895F8FAAE2B}" type="datetimeFigureOut">
               <a:rPr lang="en-US" smtClean="0"/>
-              <a:t>4/6/21</a:t>
+              <a:t>4/18/21</a:t>
             </a:fld>
             <a:endParaRPr lang="en-US"/>
           </a:p>
@@ -823,7 +829,7 @@
           <a:p>
             <a:fld id="{B404E107-17DF-6748-A018-5895F8FAAE2B}" type="datetimeFigureOut">
               <a:rPr lang="en-US" smtClean="0"/>
-              <a:t>4/6/21</a:t>
+              <a:t>4/18/21</a:t>
             </a:fld>
             <a:endParaRPr lang="en-US"/>
           </a:p>
@@ -1085,7 +1091,7 @@
           <a:p>
             <a:fld id="{B404E107-17DF-6748-A018-5895F8FAAE2B}" type="datetimeFigureOut">
               <a:rPr lang="en-US" smtClean="0"/>
-              <a:t>4/6/21</a:t>
+              <a:t>4/18/21</a:t>
             </a:fld>
             <a:endParaRPr lang="en-US"/>
           </a:p>
@@ -1433,7 +1439,7 @@
           <a:p>
             <a:fld id="{B404E107-17DF-6748-A018-5895F8FAAE2B}" type="datetimeFigureOut">
               <a:rPr lang="en-US" smtClean="0"/>
-              <a:t>4/6/21</a:t>
+              <a:t>4/18/21</a:t>
             </a:fld>
             <a:endParaRPr lang="en-US"/>
           </a:p>
@@ -1741,7 +1747,7 @@
           <a:p>
             <a:fld id="{B404E107-17DF-6748-A018-5895F8FAAE2B}" type="datetimeFigureOut">
               <a:rPr lang="en-US" smtClean="0"/>
-              <a:t>4/6/21</a:t>
+              <a:t>4/18/21</a:t>
             </a:fld>
             <a:endParaRPr lang="en-US"/>
           </a:p>
@@ -1968,7 +1974,7 @@
           <a:p>
             <a:fld id="{B404E107-17DF-6748-A018-5895F8FAAE2B}" type="datetimeFigureOut">
               <a:rPr lang="en-US" smtClean="0"/>
-              <a:t>4/6/21</a:t>
+              <a:t>4/18/21</a:t>
             </a:fld>
             <a:endParaRPr lang="en-US"/>
           </a:p>
@@ -2058,7 +2064,7 @@
           <a:p>
             <a:fld id="{B404E107-17DF-6748-A018-5895F8FAAE2B}" type="datetimeFigureOut">
               <a:rPr lang="en-US" smtClean="0"/>
-              <a:t>4/6/21</a:t>
+              <a:t>4/18/21</a:t>
             </a:fld>
             <a:endParaRPr lang="en-US"/>
           </a:p>
@@ -2346,7 +2352,7 @@
           <a:p>
             <a:fld id="{B404E107-17DF-6748-A018-5895F8FAAE2B}" type="datetimeFigureOut">
               <a:rPr lang="en-US" smtClean="0"/>
-              <a:t>4/6/21</a:t>
+              <a:t>4/18/21</a:t>
             </a:fld>
             <a:endParaRPr lang="en-US"/>
           </a:p>
@@ -2615,7 +2621,7 @@
           <a:p>
             <a:fld id="{B404E107-17DF-6748-A018-5895F8FAAE2B}" type="datetimeFigureOut">
               <a:rPr lang="en-US" smtClean="0"/>
-              <a:t>4/6/21</a:t>
+              <a:t>4/18/21</a:t>
             </a:fld>
             <a:endParaRPr lang="en-US"/>
           </a:p>
@@ -2825,7 +2831,7 @@
           <a:p>
             <a:fld id="{B404E107-17DF-6748-A018-5895F8FAAE2B}" type="datetimeFigureOut">
               <a:rPr lang="en-US" smtClean="0"/>
-              <a:t>4/6/21</a:t>
+              <a:t>4/18/21</a:t>
             </a:fld>
             <a:endParaRPr lang="en-US"/>
           </a:p>
@@ -5279,6 +5285,217 @@
 </p:sld>
 </file>
 
+<file path=ppt/slides/slide3.xml><?xml version="1.0" encoding="utf-8"?>
+<p:sld xmlns:a="http://schemas.openxmlformats.org/drawingml/2006/main" xmlns:r="http://schemas.openxmlformats.org/officeDocument/2006/relationships" xmlns:p="http://schemas.openxmlformats.org/presentationml/2006/main">
+  <p:cSld>
+    <p:spTree>
+      <p:nvGrpSpPr>
+        <p:cNvPr id="1" name=""/>
+        <p:cNvGrpSpPr/>
+        <p:nvPr/>
+      </p:nvGrpSpPr>
+      <p:grpSpPr>
+        <a:xfrm>
+          <a:off x="0" y="0"/>
+          <a:ext cx="0" cy="0"/>
+          <a:chOff x="0" y="0"/>
+          <a:chExt cx="0" cy="0"/>
+        </a:xfrm>
+      </p:grpSpPr>
+      <p:grpSp>
+        <p:nvGrpSpPr>
+          <p:cNvPr id="3" name="그룹 2">
+            <a:extLst>
+              <a:ext uri="{FF2B5EF4-FFF2-40B4-BE49-F238E27FC236}">
+                <a16:creationId xmlns:a16="http://schemas.microsoft.com/office/drawing/2014/main" id="{2305EE5D-6760-9F46-92B9-B1E8612EDB66}"/>
+              </a:ext>
+            </a:extLst>
+          </p:cNvPr>
+          <p:cNvGrpSpPr/>
+          <p:nvPr/>
+        </p:nvGrpSpPr>
+        <p:grpSpPr>
+          <a:xfrm>
+            <a:off x="5330258" y="1093976"/>
+            <a:ext cx="1283725" cy="598968"/>
+            <a:chOff x="5330258" y="1093976"/>
+            <a:chExt cx="1283725" cy="598968"/>
+          </a:xfrm>
+        </p:grpSpPr>
+        <p:sp>
+          <p:nvSpPr>
+            <p:cNvPr id="52" name="TextBox 51">
+              <a:extLst>
+                <a:ext uri="{FF2B5EF4-FFF2-40B4-BE49-F238E27FC236}">
+                  <a16:creationId xmlns:a16="http://schemas.microsoft.com/office/drawing/2014/main" id="{F961847D-4202-E54A-A509-535ACC0DFB4E}"/>
+                </a:ext>
+              </a:extLst>
+            </p:cNvPr>
+            <p:cNvSpPr txBox="1"/>
+            <p:nvPr/>
+          </p:nvSpPr>
+          <p:spPr>
+            <a:xfrm>
+              <a:off x="5353983" y="1350957"/>
+              <a:ext cx="1260000" cy="341987"/>
+            </a:xfrm>
+            <a:prstGeom prst="rect">
+              <a:avLst/>
+            </a:prstGeom>
+            <a:noFill/>
+            <a:ln w="88900" cmpd="sng">
+              <a:noFill/>
+            </a:ln>
+          </p:spPr>
+          <p:txBody>
+            <a:bodyPr wrap="square" rtlCol="0">
+              <a:spAutoFit/>
+            </a:bodyPr>
+            <a:lstStyle/>
+            <a:p>
+              <a:pPr algn="ctr"/>
+              <a:r>
+                <a:rPr kumimoji="1" lang="en-US" altLang="ko-Kore-KR" sz="2000" b="1" dirty="0">
+                  <a:solidFill>
+                    <a:schemeClr val="tx1">
+                      <a:lumMod val="50000"/>
+                      <a:lumOff val="50000"/>
+                    </a:schemeClr>
+                  </a:solidFill>
+                  <a:latin typeface="+mn-ea"/>
+                </a:rPr>
+                <a:t>Python2</a:t>
+              </a:r>
+              <a:endParaRPr kumimoji="1" lang="ko-Kore-KR" altLang="en-US" sz="2000" b="1" dirty="0">
+                <a:solidFill>
+                  <a:schemeClr val="tx1">
+                    <a:lumMod val="50000"/>
+                    <a:lumOff val="50000"/>
+                  </a:schemeClr>
+                </a:solidFill>
+                <a:latin typeface="+mn-ea"/>
+              </a:endParaRPr>
+            </a:p>
+          </p:txBody>
+        </p:sp>
+        <p:sp>
+          <p:nvSpPr>
+            <p:cNvPr id="53" name="모서리가 둥근 직사각형 52">
+              <a:extLst>
+                <a:ext uri="{FF2B5EF4-FFF2-40B4-BE49-F238E27FC236}">
+                  <a16:creationId xmlns:a16="http://schemas.microsoft.com/office/drawing/2014/main" id="{931C880B-20FB-CF4C-B8E2-AA098AC06399}"/>
+                </a:ext>
+              </a:extLst>
+            </p:cNvPr>
+            <p:cNvSpPr/>
+            <p:nvPr/>
+          </p:nvSpPr>
+          <p:spPr>
+            <a:xfrm>
+              <a:off x="5481486" y="1138947"/>
+              <a:ext cx="792000" cy="256050"/>
+            </a:xfrm>
+            <a:prstGeom prst="roundRect">
+              <a:avLst/>
+            </a:prstGeom>
+            <a:noFill/>
+            <a:ln>
+              <a:solidFill>
+                <a:schemeClr val="accent1">
+                  <a:shade val="50000"/>
+                  <a:alpha val="25000"/>
+                </a:schemeClr>
+              </a:solidFill>
+            </a:ln>
+          </p:spPr>
+          <p:style>
+            <a:lnRef idx="2">
+              <a:schemeClr val="accent1">
+                <a:shade val="50000"/>
+              </a:schemeClr>
+            </a:lnRef>
+            <a:fillRef idx="1">
+              <a:schemeClr val="accent1"/>
+            </a:fillRef>
+            <a:effectRef idx="0">
+              <a:schemeClr val="accent1"/>
+            </a:effectRef>
+            <a:fontRef idx="minor">
+              <a:schemeClr val="lt1"/>
+            </a:fontRef>
+          </p:style>
+          <p:txBody>
+            <a:bodyPr rtlCol="0" anchor="ctr"/>
+            <a:lstStyle/>
+            <a:p>
+              <a:pPr algn="ctr"/>
+              <a:endParaRPr kumimoji="1" lang="ko-Kore-KR" altLang="en-US"/>
+            </a:p>
+          </p:txBody>
+        </p:sp>
+        <p:sp>
+          <p:nvSpPr>
+            <p:cNvPr id="54" name="TextBox 53">
+              <a:extLst>
+                <a:ext uri="{FF2B5EF4-FFF2-40B4-BE49-F238E27FC236}">
+                  <a16:creationId xmlns:a16="http://schemas.microsoft.com/office/drawing/2014/main" id="{541E3BB4-E4E1-5946-BE2E-4B26A28D80B7}"/>
+                </a:ext>
+              </a:extLst>
+            </p:cNvPr>
+            <p:cNvSpPr txBox="1"/>
+            <p:nvPr/>
+          </p:nvSpPr>
+          <p:spPr>
+            <a:xfrm>
+              <a:off x="5330258" y="1093976"/>
+              <a:ext cx="1041586" cy="289372"/>
+            </a:xfrm>
+            <a:prstGeom prst="rect">
+              <a:avLst/>
+            </a:prstGeom>
+            <a:noFill/>
+          </p:spPr>
+          <p:txBody>
+            <a:bodyPr wrap="square" rtlCol="0">
+              <a:spAutoFit/>
+            </a:bodyPr>
+            <a:lstStyle/>
+            <a:p>
+              <a:pPr algn="ctr"/>
+              <a:r>
+                <a:rPr kumimoji="1" lang="en-US" altLang="ko-Kore-KR" sz="1600" b="1" dirty="0">
+                  <a:solidFill>
+                    <a:srgbClr val="002060"/>
+                  </a:solidFill>
+                  <a:latin typeface="+mj-ea"/>
+                  <a:ea typeface="+mj-ea"/>
+                </a:rPr>
+                <a:t>Korean</a:t>
+              </a:r>
+              <a:endParaRPr kumimoji="1" lang="ko-Kore-KR" altLang="en-US" sz="1600" b="1" dirty="0">
+                <a:solidFill>
+                  <a:srgbClr val="002060"/>
+                </a:solidFill>
+                <a:latin typeface="+mj-ea"/>
+                <a:ea typeface="+mj-ea"/>
+              </a:endParaRPr>
+            </a:p>
+          </p:txBody>
+        </p:sp>
+      </p:grpSp>
+    </p:spTree>
+    <p:extLst>
+      <p:ext uri="{BB962C8B-B14F-4D97-AF65-F5344CB8AC3E}">
+        <p14:creationId xmlns:p14="http://schemas.microsoft.com/office/powerpoint/2010/main" val="1295504638"/>
+      </p:ext>
+    </p:extLst>
+  </p:cSld>
+  <p:clrMapOvr>
+    <a:masterClrMapping/>
+  </p:clrMapOvr>
+</p:sld>
+</file>
+
 <file path=ppt/theme/theme1.xml><?xml version="1.0" encoding="utf-8"?>
 <a:theme xmlns:a="http://schemas.openxmlformats.org/drawingml/2006/main" name="Default Theme">
   <a:themeElements>
